--- a/mvc.pptx
+++ b/mvc.pptx
@@ -140,6 +140,11 @@
       </a:defRPr>
     </a:lvl9pPr>
   </p:defaultTextStyle>
+  <p:extLst>
+    <p:ext uri="{EFAFB233-063F-42B5-8137-9DF3F51BA10A}">
+      <p15:sldGuideLst xmlns:p15="http://schemas.microsoft.com/office/powerpoint/2012/main"/>
+    </p:ext>
+  </p:extLst>
 </p:presentation>
 </file>
 
@@ -8311,7 +8316,6 @@
               <a:rPr lang="en-US" dirty="0"/>
               <a:t>Sathwika Gone</a:t>
             </a:r>
-            <a:endParaRPr lang="en-US" dirty="0"/>
           </a:p>
         </p:txBody>
       </p:sp>
@@ -8480,7 +8484,6 @@
               <a:rPr lang="en-US" dirty="0"/>
               <a:t>Sathwika Gone</a:t>
             </a:r>
-            <a:endParaRPr lang="en-US" dirty="0"/>
           </a:p>
         </p:txBody>
       </p:sp>
@@ -8696,7 +8699,6 @@
               <a:rPr lang="en-US" dirty="0"/>
               <a:t>Sathwika Gone</a:t>
             </a:r>
-            <a:endParaRPr lang="en-US" dirty="0"/>
           </a:p>
         </p:txBody>
       </p:sp>
@@ -8919,7 +8921,6 @@
               <a:rPr lang="en-US" dirty="0"/>
               <a:t>Sathwika Gone</a:t>
             </a:r>
-            <a:endParaRPr lang="en-US" dirty="0"/>
           </a:p>
         </p:txBody>
       </p:sp>
@@ -9182,6 +9183,43 @@
           </a:p>
         </p:txBody>
       </p:sp>
+      <p:sp>
+        <p:nvSpPr>
+          <p:cNvPr id="5" name="Rectangle 4"/>
+          <p:cNvSpPr/>
+          <p:nvPr/>
+        </p:nvSpPr>
+        <p:spPr>
+          <a:xfrm>
+            <a:off x="9641286" y="6131225"/>
+            <a:ext cx="1755609" cy="369332"/>
+          </a:xfrm>
+          <a:prstGeom prst="rect">
+            <a:avLst/>
+          </a:prstGeom>
+        </p:spPr>
+        <p:txBody>
+          <a:bodyPr wrap="none">
+            <a:spAutoFit/>
+          </a:bodyPr>
+          <a:lstStyle/>
+          <a:p>
+            <a:r>
+              <a:rPr lang="en-US" dirty="0" err="1" smtClean="0"/>
+              <a:t>Susritha</a:t>
+            </a:r>
+            <a:r>
+              <a:rPr lang="en-US" dirty="0" smtClean="0"/>
+              <a:t> </a:t>
+            </a:r>
+            <a:r>
+              <a:rPr lang="en-US" dirty="0" err="1" smtClean="0"/>
+              <a:t>Gade</a:t>
+            </a:r>
+            <a:endParaRPr lang="en-US" dirty="0"/>
+          </a:p>
+        </p:txBody>
+      </p:sp>
     </p:spTree>
     <p:extLst>
       <p:ext uri="{BB962C8B-B14F-4D97-AF65-F5344CB8AC3E}">
@@ -9373,6 +9411,43 @@
           </a:p>
         </p:txBody>
       </p:sp>
+      <p:sp>
+        <p:nvSpPr>
+          <p:cNvPr id="7" name="Rectangle 6"/>
+          <p:cNvSpPr/>
+          <p:nvPr/>
+        </p:nvSpPr>
+        <p:spPr>
+          <a:xfrm>
+            <a:off x="9641286" y="6131225"/>
+            <a:ext cx="1755609" cy="369332"/>
+          </a:xfrm>
+          <a:prstGeom prst="rect">
+            <a:avLst/>
+          </a:prstGeom>
+        </p:spPr>
+        <p:txBody>
+          <a:bodyPr wrap="none">
+            <a:spAutoFit/>
+          </a:bodyPr>
+          <a:lstStyle/>
+          <a:p>
+            <a:r>
+              <a:rPr lang="en-US" dirty="0" err="1" smtClean="0"/>
+              <a:t>Susritha</a:t>
+            </a:r>
+            <a:r>
+              <a:rPr lang="en-US" dirty="0" smtClean="0"/>
+              <a:t> </a:t>
+            </a:r>
+            <a:r>
+              <a:rPr lang="en-US" dirty="0" err="1" smtClean="0"/>
+              <a:t>Gade</a:t>
+            </a:r>
+            <a:endParaRPr lang="en-US" dirty="0"/>
+          </a:p>
+        </p:txBody>
+      </p:sp>
     </p:spTree>
     <p:extLst>
       <p:ext uri="{BB962C8B-B14F-4D97-AF65-F5344CB8AC3E}">
@@ -9527,6 +9602,43 @@
           </a:p>
         </p:txBody>
       </p:sp>
+      <p:sp>
+        <p:nvSpPr>
+          <p:cNvPr id="6" name="Rectangle 5"/>
+          <p:cNvSpPr/>
+          <p:nvPr/>
+        </p:nvSpPr>
+        <p:spPr>
+          <a:xfrm>
+            <a:off x="9641286" y="6131225"/>
+            <a:ext cx="1755609" cy="369332"/>
+          </a:xfrm>
+          <a:prstGeom prst="rect">
+            <a:avLst/>
+          </a:prstGeom>
+        </p:spPr>
+        <p:txBody>
+          <a:bodyPr wrap="none">
+            <a:spAutoFit/>
+          </a:bodyPr>
+          <a:lstStyle/>
+          <a:p>
+            <a:r>
+              <a:rPr lang="en-US" dirty="0" err="1" smtClean="0"/>
+              <a:t>Susritha</a:t>
+            </a:r>
+            <a:r>
+              <a:rPr lang="en-US" dirty="0" smtClean="0"/>
+              <a:t> </a:t>
+            </a:r>
+            <a:r>
+              <a:rPr lang="en-US" dirty="0" err="1" smtClean="0"/>
+              <a:t>Gade</a:t>
+            </a:r>
+            <a:endParaRPr lang="en-US" dirty="0"/>
+          </a:p>
+        </p:txBody>
+      </p:sp>
     </p:spTree>
     <p:extLst>
       <p:ext uri="{BB962C8B-B14F-4D97-AF65-F5344CB8AC3E}">
@@ -9651,6 +9763,43 @@
           </a:p>
         </p:txBody>
       </p:sp>
+      <p:sp>
+        <p:nvSpPr>
+          <p:cNvPr id="5" name="Rectangle 4"/>
+          <p:cNvSpPr/>
+          <p:nvPr/>
+        </p:nvSpPr>
+        <p:spPr>
+          <a:xfrm>
+            <a:off x="9641286" y="6131225"/>
+            <a:ext cx="1755609" cy="369332"/>
+          </a:xfrm>
+          <a:prstGeom prst="rect">
+            <a:avLst/>
+          </a:prstGeom>
+        </p:spPr>
+        <p:txBody>
+          <a:bodyPr wrap="none">
+            <a:spAutoFit/>
+          </a:bodyPr>
+          <a:lstStyle/>
+          <a:p>
+            <a:r>
+              <a:rPr lang="en-US" dirty="0" err="1" smtClean="0"/>
+              <a:t>Susritha</a:t>
+            </a:r>
+            <a:r>
+              <a:rPr lang="en-US" dirty="0" smtClean="0"/>
+              <a:t> </a:t>
+            </a:r>
+            <a:r>
+              <a:rPr lang="en-US" dirty="0" err="1" smtClean="0"/>
+              <a:t>Gade</a:t>
+            </a:r>
+            <a:endParaRPr lang="en-US" dirty="0"/>
+          </a:p>
+        </p:txBody>
+      </p:sp>
     </p:spTree>
     <p:extLst>
       <p:ext uri="{BB962C8B-B14F-4D97-AF65-F5344CB8AC3E}">
@@ -9775,6 +9924,43 @@
           </a:p>
         </p:txBody>
       </p:sp>
+      <p:sp>
+        <p:nvSpPr>
+          <p:cNvPr id="5" name="Rectangle 4"/>
+          <p:cNvSpPr/>
+          <p:nvPr/>
+        </p:nvSpPr>
+        <p:spPr>
+          <a:xfrm>
+            <a:off x="9641286" y="6131225"/>
+            <a:ext cx="1755609" cy="369332"/>
+          </a:xfrm>
+          <a:prstGeom prst="rect">
+            <a:avLst/>
+          </a:prstGeom>
+        </p:spPr>
+        <p:txBody>
+          <a:bodyPr wrap="none">
+            <a:spAutoFit/>
+          </a:bodyPr>
+          <a:lstStyle/>
+          <a:p>
+            <a:r>
+              <a:rPr lang="en-US" dirty="0" err="1" smtClean="0"/>
+              <a:t>Susritha</a:t>
+            </a:r>
+            <a:r>
+              <a:rPr lang="en-US" dirty="0" smtClean="0"/>
+              <a:t> </a:t>
+            </a:r>
+            <a:r>
+              <a:rPr lang="en-US" dirty="0" err="1" smtClean="0"/>
+              <a:t>Gade</a:t>
+            </a:r>
+            <a:endParaRPr lang="en-US" dirty="0"/>
+          </a:p>
+        </p:txBody>
+      </p:sp>
     </p:spTree>
     <p:extLst>
       <p:ext uri="{BB962C8B-B14F-4D97-AF65-F5344CB8AC3E}">
@@ -9963,6 +10149,43 @@
               <a:pPr/>
               <a:t>19</a:t>
             </a:fld>
+            <a:endParaRPr lang="en-US" dirty="0"/>
+          </a:p>
+        </p:txBody>
+      </p:sp>
+      <p:sp>
+        <p:nvSpPr>
+          <p:cNvPr id="5" name="Rectangle 4"/>
+          <p:cNvSpPr/>
+          <p:nvPr/>
+        </p:nvSpPr>
+        <p:spPr>
+          <a:xfrm>
+            <a:off x="9641286" y="6131225"/>
+            <a:ext cx="2218877" cy="369332"/>
+          </a:xfrm>
+          <a:prstGeom prst="rect">
+            <a:avLst/>
+          </a:prstGeom>
+        </p:spPr>
+        <p:txBody>
+          <a:bodyPr wrap="none">
+            <a:spAutoFit/>
+          </a:bodyPr>
+          <a:lstStyle/>
+          <a:p>
+            <a:r>
+              <a:rPr lang="en-US" dirty="0" err="1" smtClean="0"/>
+              <a:t>Vennela</a:t>
+            </a:r>
+            <a:r>
+              <a:rPr lang="en-US" dirty="0" smtClean="0"/>
+              <a:t> </a:t>
+            </a:r>
+            <a:r>
+              <a:rPr lang="en-US" dirty="0" err="1" smtClean="0"/>
+              <a:t>Cheekoti</a:t>
+            </a:r>
             <a:endParaRPr lang="en-US" dirty="0"/>
           </a:p>
         </p:txBody>
@@ -10303,7 +10526,7 @@
         </p:blipFill>
         <p:spPr>
           <a:xfrm>
-            <a:off x="1884219" y="1905000"/>
+            <a:off x="1818905" y="1513114"/>
             <a:ext cx="8666644" cy="4369233"/>
           </a:xfrm>
         </p:spPr>
@@ -10328,6 +10551,43 @@
               <a:pPr/>
               <a:t>20</a:t>
             </a:fld>
+            <a:endParaRPr lang="en-US" dirty="0"/>
+          </a:p>
+        </p:txBody>
+      </p:sp>
+      <p:sp>
+        <p:nvSpPr>
+          <p:cNvPr id="5" name="Rectangle 4"/>
+          <p:cNvSpPr/>
+          <p:nvPr/>
+        </p:nvSpPr>
+        <p:spPr>
+          <a:xfrm>
+            <a:off x="9641286" y="6131225"/>
+            <a:ext cx="2218877" cy="369332"/>
+          </a:xfrm>
+          <a:prstGeom prst="rect">
+            <a:avLst/>
+          </a:prstGeom>
+        </p:spPr>
+        <p:txBody>
+          <a:bodyPr wrap="none">
+            <a:spAutoFit/>
+          </a:bodyPr>
+          <a:lstStyle/>
+          <a:p>
+            <a:r>
+              <a:rPr lang="en-US" dirty="0" err="1" smtClean="0"/>
+              <a:t>Vennela</a:t>
+            </a:r>
+            <a:r>
+              <a:rPr lang="en-US" dirty="0" smtClean="0"/>
+              <a:t> </a:t>
+            </a:r>
+            <a:r>
+              <a:rPr lang="en-US" dirty="0" err="1" smtClean="0"/>
+              <a:t>Cheekoti</a:t>
+            </a:r>
             <a:endParaRPr lang="en-US" dirty="0"/>
           </a:p>
         </p:txBody>
@@ -10433,7 +10693,7 @@
         </p:blipFill>
         <p:spPr>
           <a:xfrm>
-            <a:off x="2161309" y="1905000"/>
+            <a:off x="2004555" y="1496291"/>
             <a:ext cx="8221681" cy="4754428"/>
           </a:xfrm>
         </p:spPr>
@@ -10458,6 +10718,43 @@
               <a:pPr/>
               <a:t>21</a:t>
             </a:fld>
+            <a:endParaRPr lang="en-US" dirty="0"/>
+          </a:p>
+        </p:txBody>
+      </p:sp>
+      <p:sp>
+        <p:nvSpPr>
+          <p:cNvPr id="5" name="Rectangle 4"/>
+          <p:cNvSpPr/>
+          <p:nvPr/>
+        </p:nvSpPr>
+        <p:spPr>
+          <a:xfrm>
+            <a:off x="9642480" y="6250719"/>
+            <a:ext cx="2218877" cy="369332"/>
+          </a:xfrm>
+          <a:prstGeom prst="rect">
+            <a:avLst/>
+          </a:prstGeom>
+        </p:spPr>
+        <p:txBody>
+          <a:bodyPr wrap="none">
+            <a:spAutoFit/>
+          </a:bodyPr>
+          <a:lstStyle/>
+          <a:p>
+            <a:r>
+              <a:rPr lang="en-US" dirty="0" err="1" smtClean="0"/>
+              <a:t>Vennela</a:t>
+            </a:r>
+            <a:r>
+              <a:rPr lang="en-US" dirty="0" smtClean="0"/>
+              <a:t> </a:t>
+            </a:r>
+            <a:r>
+              <a:rPr lang="en-US" dirty="0" err="1" smtClean="0"/>
+              <a:t>Cheekoti</a:t>
+            </a:r>
             <a:endParaRPr lang="en-US" dirty="0"/>
           </a:p>
         </p:txBody>
@@ -10558,7 +10855,7 @@
         </p:blipFill>
         <p:spPr>
           <a:xfrm>
-            <a:off x="2592926" y="2065282"/>
+            <a:off x="2449235" y="1676400"/>
             <a:ext cx="7635781" cy="4400862"/>
           </a:xfrm>
         </p:spPr>
@@ -10583,6 +10880,43 @@
               <a:pPr/>
               <a:t>22</a:t>
             </a:fld>
+            <a:endParaRPr lang="en-US" dirty="0"/>
+          </a:p>
+        </p:txBody>
+      </p:sp>
+      <p:sp>
+        <p:nvSpPr>
+          <p:cNvPr id="5" name="Rectangle 4"/>
+          <p:cNvSpPr/>
+          <p:nvPr/>
+        </p:nvSpPr>
+        <p:spPr>
+          <a:xfrm>
+            <a:off x="9641286" y="6131225"/>
+            <a:ext cx="2218877" cy="369332"/>
+          </a:xfrm>
+          <a:prstGeom prst="rect">
+            <a:avLst/>
+          </a:prstGeom>
+        </p:spPr>
+        <p:txBody>
+          <a:bodyPr wrap="none">
+            <a:spAutoFit/>
+          </a:bodyPr>
+          <a:lstStyle/>
+          <a:p>
+            <a:r>
+              <a:rPr lang="en-US" dirty="0" err="1" smtClean="0"/>
+              <a:t>Vennela</a:t>
+            </a:r>
+            <a:r>
+              <a:rPr lang="en-US" dirty="0" smtClean="0"/>
+              <a:t> </a:t>
+            </a:r>
+            <a:r>
+              <a:rPr lang="en-US" dirty="0" err="1" smtClean="0"/>
+              <a:t>Cheekoti</a:t>
+            </a:r>
             <a:endParaRPr lang="en-US" dirty="0"/>
           </a:p>
         </p:txBody>
@@ -10679,7 +11013,7 @@
         </p:blipFill>
         <p:spPr>
           <a:xfrm>
-            <a:off x="2592925" y="2619336"/>
+            <a:off x="2501485" y="1783314"/>
             <a:ext cx="7626255" cy="3446701"/>
           </a:xfrm>
         </p:spPr>
@@ -10704,6 +11038,43 @@
               <a:pPr/>
               <a:t>23</a:t>
             </a:fld>
+            <a:endParaRPr lang="en-US" dirty="0"/>
+          </a:p>
+        </p:txBody>
+      </p:sp>
+      <p:sp>
+        <p:nvSpPr>
+          <p:cNvPr id="5" name="Rectangle 4"/>
+          <p:cNvSpPr/>
+          <p:nvPr/>
+        </p:nvSpPr>
+        <p:spPr>
+          <a:xfrm>
+            <a:off x="9641286" y="6131225"/>
+            <a:ext cx="2218877" cy="369332"/>
+          </a:xfrm>
+          <a:prstGeom prst="rect">
+            <a:avLst/>
+          </a:prstGeom>
+        </p:spPr>
+        <p:txBody>
+          <a:bodyPr wrap="none">
+            <a:spAutoFit/>
+          </a:bodyPr>
+          <a:lstStyle/>
+          <a:p>
+            <a:r>
+              <a:rPr lang="en-US" dirty="0" err="1" smtClean="0"/>
+              <a:t>Vennela</a:t>
+            </a:r>
+            <a:r>
+              <a:rPr lang="en-US" dirty="0" smtClean="0"/>
+              <a:t> </a:t>
+            </a:r>
+            <a:r>
+              <a:rPr lang="en-US" dirty="0" err="1" smtClean="0"/>
+              <a:t>Cheekoti</a:t>
+            </a:r>
             <a:endParaRPr lang="en-US" dirty="0"/>
           </a:p>
         </p:txBody>
@@ -10805,7 +11176,7 @@
         </p:blipFill>
         <p:spPr>
           <a:xfrm>
-            <a:off x="2937164" y="2048517"/>
+            <a:off x="2549237" y="1512940"/>
             <a:ext cx="6857999" cy="4583769"/>
           </a:xfrm>
         </p:spPr>
@@ -10830,6 +11201,43 @@
               <a:pPr/>
               <a:t>24</a:t>
             </a:fld>
+            <a:endParaRPr lang="en-US" dirty="0"/>
+          </a:p>
+        </p:txBody>
+      </p:sp>
+      <p:sp>
+        <p:nvSpPr>
+          <p:cNvPr id="5" name="Rectangle 4"/>
+          <p:cNvSpPr/>
+          <p:nvPr/>
+        </p:nvSpPr>
+        <p:spPr>
+          <a:xfrm>
+            <a:off x="9641286" y="6131225"/>
+            <a:ext cx="2218877" cy="369332"/>
+          </a:xfrm>
+          <a:prstGeom prst="rect">
+            <a:avLst/>
+          </a:prstGeom>
+        </p:spPr>
+        <p:txBody>
+          <a:bodyPr wrap="none">
+            <a:spAutoFit/>
+          </a:bodyPr>
+          <a:lstStyle/>
+          <a:p>
+            <a:r>
+              <a:rPr lang="en-US" dirty="0" err="1" smtClean="0"/>
+              <a:t>Vennela</a:t>
+            </a:r>
+            <a:r>
+              <a:rPr lang="en-US" dirty="0" smtClean="0"/>
+              <a:t> </a:t>
+            </a:r>
+            <a:r>
+              <a:rPr lang="en-US" dirty="0" err="1" smtClean="0"/>
+              <a:t>Cheekoti</a:t>
+            </a:r>
             <a:endParaRPr lang="en-US" dirty="0"/>
           </a:p>
         </p:txBody>
@@ -10925,7 +11333,7 @@
         </p:blipFill>
         <p:spPr>
           <a:xfrm>
-            <a:off x="2313710" y="1788703"/>
+            <a:off x="2235332" y="1462132"/>
             <a:ext cx="7273620" cy="4330965"/>
           </a:xfrm>
         </p:spPr>
@@ -10950,6 +11358,43 @@
               <a:pPr/>
               <a:t>25</a:t>
             </a:fld>
+            <a:endParaRPr lang="en-US" dirty="0"/>
+          </a:p>
+        </p:txBody>
+      </p:sp>
+      <p:sp>
+        <p:nvSpPr>
+          <p:cNvPr id="5" name="Rectangle 4"/>
+          <p:cNvSpPr/>
+          <p:nvPr/>
+        </p:nvSpPr>
+        <p:spPr>
+          <a:xfrm>
+            <a:off x="9641286" y="6131225"/>
+            <a:ext cx="2218877" cy="369332"/>
+          </a:xfrm>
+          <a:prstGeom prst="rect">
+            <a:avLst/>
+          </a:prstGeom>
+        </p:spPr>
+        <p:txBody>
+          <a:bodyPr wrap="none">
+            <a:spAutoFit/>
+          </a:bodyPr>
+          <a:lstStyle/>
+          <a:p>
+            <a:r>
+              <a:rPr lang="en-US" dirty="0" err="1" smtClean="0"/>
+              <a:t>Vennela</a:t>
+            </a:r>
+            <a:r>
+              <a:rPr lang="en-US" dirty="0" smtClean="0"/>
+              <a:t> </a:t>
+            </a:r>
+            <a:r>
+              <a:rPr lang="en-US" dirty="0" err="1" smtClean="0"/>
+              <a:t>Cheekoti</a:t>
+            </a:r>
             <a:endParaRPr lang="en-US" dirty="0"/>
           </a:p>
         </p:txBody>
@@ -11045,7 +11490,7 @@
         </p:blipFill>
         <p:spPr>
           <a:xfrm>
-            <a:off x="2355273" y="2386421"/>
+            <a:off x="1989513" y="1720215"/>
             <a:ext cx="7996385" cy="4095710"/>
           </a:xfrm>
         </p:spPr>
@@ -11070,6 +11515,43 @@
               <a:pPr/>
               <a:t>26</a:t>
             </a:fld>
+            <a:endParaRPr lang="en-US" dirty="0"/>
+          </a:p>
+        </p:txBody>
+      </p:sp>
+      <p:sp>
+        <p:nvSpPr>
+          <p:cNvPr id="5" name="Rectangle 4"/>
+          <p:cNvSpPr/>
+          <p:nvPr/>
+        </p:nvSpPr>
+        <p:spPr>
+          <a:xfrm>
+            <a:off x="9641286" y="6131225"/>
+            <a:ext cx="2218877" cy="369332"/>
+          </a:xfrm>
+          <a:prstGeom prst="rect">
+            <a:avLst/>
+          </a:prstGeom>
+        </p:spPr>
+        <p:txBody>
+          <a:bodyPr wrap="none">
+            <a:spAutoFit/>
+          </a:bodyPr>
+          <a:lstStyle/>
+          <a:p>
+            <a:r>
+              <a:rPr lang="en-US" dirty="0" err="1" smtClean="0"/>
+              <a:t>Vennela</a:t>
+            </a:r>
+            <a:r>
+              <a:rPr lang="en-US" dirty="0" smtClean="0"/>
+              <a:t> </a:t>
+            </a:r>
+            <a:r>
+              <a:rPr lang="en-US" dirty="0" err="1" smtClean="0"/>
+              <a:t>Cheekoti</a:t>
+            </a:r>
             <a:endParaRPr lang="en-US" dirty="0"/>
           </a:p>
         </p:txBody>
@@ -11162,7 +11644,7 @@
         </p:blipFill>
         <p:spPr>
           <a:xfrm>
-            <a:off x="2592925" y="1967346"/>
+            <a:off x="1848342" y="1366455"/>
             <a:ext cx="7465058" cy="4683526"/>
           </a:xfrm>
         </p:spPr>
@@ -11187,6 +11669,43 @@
               <a:pPr/>
               <a:t>27</a:t>
             </a:fld>
+            <a:endParaRPr lang="en-US" dirty="0"/>
+          </a:p>
+        </p:txBody>
+      </p:sp>
+      <p:sp>
+        <p:nvSpPr>
+          <p:cNvPr id="5" name="Rectangle 4"/>
+          <p:cNvSpPr/>
+          <p:nvPr/>
+        </p:nvSpPr>
+        <p:spPr>
+          <a:xfrm>
+            <a:off x="9641286" y="6131225"/>
+            <a:ext cx="2218877" cy="369332"/>
+          </a:xfrm>
+          <a:prstGeom prst="rect">
+            <a:avLst/>
+          </a:prstGeom>
+        </p:spPr>
+        <p:txBody>
+          <a:bodyPr wrap="none">
+            <a:spAutoFit/>
+          </a:bodyPr>
+          <a:lstStyle/>
+          <a:p>
+            <a:r>
+              <a:rPr lang="en-US" dirty="0" err="1" smtClean="0"/>
+              <a:t>Vennela</a:t>
+            </a:r>
+            <a:r>
+              <a:rPr lang="en-US" dirty="0" smtClean="0"/>
+              <a:t> </a:t>
+            </a:r>
+            <a:r>
+              <a:rPr lang="en-US" dirty="0" err="1" smtClean="0"/>
+              <a:t>Cheekoti</a:t>
+            </a:r>
             <a:endParaRPr lang="en-US" dirty="0"/>
           </a:p>
         </p:txBody>
@@ -11288,7 +11807,7 @@
         </p:blipFill>
         <p:spPr>
           <a:xfrm>
-            <a:off x="2369128" y="1905000"/>
+            <a:off x="1715985" y="1500052"/>
             <a:ext cx="7750839" cy="4830068"/>
           </a:xfrm>
         </p:spPr>
@@ -11313,6 +11832,43 @@
               <a:pPr/>
               <a:t>28</a:t>
             </a:fld>
+            <a:endParaRPr lang="en-US" dirty="0"/>
+          </a:p>
+        </p:txBody>
+      </p:sp>
+      <p:sp>
+        <p:nvSpPr>
+          <p:cNvPr id="5" name="Rectangle 4"/>
+          <p:cNvSpPr/>
+          <p:nvPr/>
+        </p:nvSpPr>
+        <p:spPr>
+          <a:xfrm>
+            <a:off x="9641286" y="6131225"/>
+            <a:ext cx="2218877" cy="369332"/>
+          </a:xfrm>
+          <a:prstGeom prst="rect">
+            <a:avLst/>
+          </a:prstGeom>
+        </p:spPr>
+        <p:txBody>
+          <a:bodyPr wrap="none">
+            <a:spAutoFit/>
+          </a:bodyPr>
+          <a:lstStyle/>
+          <a:p>
+            <a:r>
+              <a:rPr lang="en-US" dirty="0" err="1" smtClean="0"/>
+              <a:t>Vennela</a:t>
+            </a:r>
+            <a:r>
+              <a:rPr lang="en-US" dirty="0" smtClean="0"/>
+              <a:t> </a:t>
+            </a:r>
+            <a:r>
+              <a:rPr lang="en-US" dirty="0" err="1" smtClean="0"/>
+              <a:t>Cheekoti</a:t>
+            </a:r>
             <a:endParaRPr lang="en-US" dirty="0"/>
           </a:p>
         </p:txBody>
@@ -11443,6 +11999,43 @@
           </a:p>
         </p:txBody>
       </p:sp>
+      <p:sp>
+        <p:nvSpPr>
+          <p:cNvPr id="5" name="Rectangle 4"/>
+          <p:cNvSpPr/>
+          <p:nvPr/>
+        </p:nvSpPr>
+        <p:spPr>
+          <a:xfrm>
+            <a:off x="9732726" y="6235728"/>
+            <a:ext cx="2218877" cy="369332"/>
+          </a:xfrm>
+          <a:prstGeom prst="rect">
+            <a:avLst/>
+          </a:prstGeom>
+        </p:spPr>
+        <p:txBody>
+          <a:bodyPr wrap="none">
+            <a:spAutoFit/>
+          </a:bodyPr>
+          <a:lstStyle/>
+          <a:p>
+            <a:r>
+              <a:rPr lang="en-US" dirty="0" err="1" smtClean="0"/>
+              <a:t>Vennela</a:t>
+            </a:r>
+            <a:r>
+              <a:rPr lang="en-US" dirty="0" smtClean="0"/>
+              <a:t> </a:t>
+            </a:r>
+            <a:r>
+              <a:rPr lang="en-US" dirty="0" err="1" smtClean="0"/>
+              <a:t>Cheekoti</a:t>
+            </a:r>
+            <a:endParaRPr lang="en-US" dirty="0"/>
+          </a:p>
+        </p:txBody>
+      </p:sp>
     </p:spTree>
     <p:extLst>
       <p:ext uri="{BB962C8B-B14F-4D97-AF65-F5344CB8AC3E}">
@@ -11744,7 +12337,7 @@
         </p:blipFill>
         <p:spPr>
           <a:xfrm>
-            <a:off x="1968976" y="1828800"/>
+            <a:off x="1942851" y="1440873"/>
             <a:ext cx="8244999" cy="4918070"/>
           </a:xfrm>
         </p:spPr>
@@ -11769,6 +12362,43 @@
               <a:pPr/>
               <a:t>30</a:t>
             </a:fld>
+            <a:endParaRPr lang="en-US" dirty="0"/>
+          </a:p>
+        </p:txBody>
+      </p:sp>
+      <p:sp>
+        <p:nvSpPr>
+          <p:cNvPr id="5" name="Rectangle 4"/>
+          <p:cNvSpPr/>
+          <p:nvPr/>
+        </p:nvSpPr>
+        <p:spPr>
+          <a:xfrm>
+            <a:off x="9692560" y="6358943"/>
+            <a:ext cx="2218877" cy="369332"/>
+          </a:xfrm>
+          <a:prstGeom prst="rect">
+            <a:avLst/>
+          </a:prstGeom>
+        </p:spPr>
+        <p:txBody>
+          <a:bodyPr wrap="none">
+            <a:spAutoFit/>
+          </a:bodyPr>
+          <a:lstStyle/>
+          <a:p>
+            <a:r>
+              <a:rPr lang="en-US" dirty="0" err="1" smtClean="0"/>
+              <a:t>Vennela</a:t>
+            </a:r>
+            <a:r>
+              <a:rPr lang="en-US" dirty="0" smtClean="0"/>
+              <a:t> </a:t>
+            </a:r>
+            <a:r>
+              <a:rPr lang="en-US" dirty="0" err="1" smtClean="0"/>
+              <a:t>Cheekoti</a:t>
+            </a:r>
             <a:endParaRPr lang="en-US" dirty="0"/>
           </a:p>
         </p:txBody>
@@ -11869,7 +12499,7 @@
         </p:blipFill>
         <p:spPr>
           <a:xfrm>
-            <a:off x="2258291" y="1797791"/>
+            <a:off x="2101537" y="1468582"/>
             <a:ext cx="7984157" cy="4720045"/>
           </a:xfrm>
         </p:spPr>
@@ -11894,6 +12524,43 @@
               <a:pPr/>
               <a:t>31</a:t>
             </a:fld>
+            <a:endParaRPr lang="en-US" dirty="0"/>
+          </a:p>
+        </p:txBody>
+      </p:sp>
+      <p:sp>
+        <p:nvSpPr>
+          <p:cNvPr id="5" name="Rectangle 4"/>
+          <p:cNvSpPr/>
+          <p:nvPr/>
+        </p:nvSpPr>
+        <p:spPr>
+          <a:xfrm>
+            <a:off x="9667412" y="6333170"/>
+            <a:ext cx="2218877" cy="369332"/>
+          </a:xfrm>
+          <a:prstGeom prst="rect">
+            <a:avLst/>
+          </a:prstGeom>
+        </p:spPr>
+        <p:txBody>
+          <a:bodyPr wrap="none">
+            <a:spAutoFit/>
+          </a:bodyPr>
+          <a:lstStyle/>
+          <a:p>
+            <a:r>
+              <a:rPr lang="en-US" dirty="0" err="1" smtClean="0"/>
+              <a:t>Vennela</a:t>
+            </a:r>
+            <a:r>
+              <a:rPr lang="en-US" dirty="0" smtClean="0"/>
+              <a:t> </a:t>
+            </a:r>
+            <a:r>
+              <a:rPr lang="en-US" dirty="0" err="1" smtClean="0"/>
+              <a:t>Cheekoti</a:t>
+            </a:r>
             <a:endParaRPr lang="en-US" dirty="0"/>
           </a:p>
         </p:txBody>
@@ -12023,6 +12690,43 @@
           </a:p>
         </p:txBody>
       </p:sp>
+      <p:sp>
+        <p:nvSpPr>
+          <p:cNvPr id="5" name="Rectangle 4"/>
+          <p:cNvSpPr/>
+          <p:nvPr/>
+        </p:nvSpPr>
+        <p:spPr>
+          <a:xfrm>
+            <a:off x="9641286" y="6131225"/>
+            <a:ext cx="2218877" cy="369332"/>
+          </a:xfrm>
+          <a:prstGeom prst="rect">
+            <a:avLst/>
+          </a:prstGeom>
+        </p:spPr>
+        <p:txBody>
+          <a:bodyPr wrap="none">
+            <a:spAutoFit/>
+          </a:bodyPr>
+          <a:lstStyle/>
+          <a:p>
+            <a:r>
+              <a:rPr lang="en-US" dirty="0" err="1" smtClean="0"/>
+              <a:t>Vennela</a:t>
+            </a:r>
+            <a:r>
+              <a:rPr lang="en-US" dirty="0" smtClean="0"/>
+              <a:t> </a:t>
+            </a:r>
+            <a:r>
+              <a:rPr lang="en-US" dirty="0" err="1" smtClean="0"/>
+              <a:t>Cheekoti</a:t>
+            </a:r>
+            <a:endParaRPr lang="en-US" dirty="0"/>
+          </a:p>
+        </p:txBody>
+      </p:sp>
     </p:spTree>
     <p:extLst>
       <p:ext uri="{BB962C8B-B14F-4D97-AF65-F5344CB8AC3E}">
@@ -12144,6 +12848,43 @@
               <a:pPr/>
               <a:t>33</a:t>
             </a:fld>
+            <a:endParaRPr lang="en-US" dirty="0"/>
+          </a:p>
+        </p:txBody>
+      </p:sp>
+      <p:sp>
+        <p:nvSpPr>
+          <p:cNvPr id="5" name="Rectangle 4"/>
+          <p:cNvSpPr/>
+          <p:nvPr/>
+        </p:nvSpPr>
+        <p:spPr>
+          <a:xfrm>
+            <a:off x="9641286" y="6131225"/>
+            <a:ext cx="2218877" cy="369332"/>
+          </a:xfrm>
+          <a:prstGeom prst="rect">
+            <a:avLst/>
+          </a:prstGeom>
+        </p:spPr>
+        <p:txBody>
+          <a:bodyPr wrap="none">
+            <a:spAutoFit/>
+          </a:bodyPr>
+          <a:lstStyle/>
+          <a:p>
+            <a:r>
+              <a:rPr lang="en-US" dirty="0" err="1" smtClean="0"/>
+              <a:t>Vennela</a:t>
+            </a:r>
+            <a:r>
+              <a:rPr lang="en-US" dirty="0" smtClean="0"/>
+              <a:t> </a:t>
+            </a:r>
+            <a:r>
+              <a:rPr lang="en-US" dirty="0" err="1" smtClean="0"/>
+              <a:t>Cheekoti</a:t>
+            </a:r>
             <a:endParaRPr lang="en-US" dirty="0"/>
           </a:p>
         </p:txBody>
@@ -12383,7 +13124,6 @@
               <a:rPr lang="en-US" dirty="0"/>
               <a:t>Sathwika Gone</a:t>
             </a:r>
-            <a:endParaRPr lang="en-US" dirty="0"/>
           </a:p>
         </p:txBody>
       </p:sp>
@@ -12550,7 +13290,6 @@
               <a:rPr lang="en-US" dirty="0"/>
               <a:t>Sathwika Gone</a:t>
             </a:r>
-            <a:endParaRPr lang="en-US" dirty="0"/>
           </a:p>
         </p:txBody>
       </p:sp>
@@ -12673,7 +13412,6 @@
               <a:rPr lang="en-US" dirty="0"/>
               <a:t>project template for creating ASP .NET core With example MVC Views and Controllers and this is also used for RESTful HTTP services.</a:t>
             </a:r>
-            <a:endParaRPr lang="en-US" dirty="0"/>
           </a:p>
         </p:txBody>
       </p:sp>
@@ -12702,7 +13440,6 @@
               <a:rPr lang="en-US" dirty="0"/>
               <a:t>Sathwika Gone</a:t>
             </a:r>
-            <a:endParaRPr lang="en-US" dirty="0"/>
           </a:p>
         </p:txBody>
       </p:sp>
@@ -12821,7 +13558,6 @@
               <a:rPr lang="en-US" dirty="0"/>
               <a:t>Sathwika Gone</a:t>
             </a:r>
-            <a:endParaRPr lang="en-US" dirty="0"/>
           </a:p>
         </p:txBody>
       </p:sp>
@@ -13038,7 +13774,6 @@
               <a:rPr lang="en-US" dirty="0"/>
               <a:t>Sathwika Gone</a:t>
             </a:r>
-            <a:endParaRPr lang="en-US" dirty="0"/>
           </a:p>
         </p:txBody>
       </p:sp>
@@ -13350,7 +14085,6 @@
               <a:rPr lang="en-US" dirty="0"/>
               <a:t>Sathwika Gone</a:t>
             </a:r>
-            <a:endParaRPr lang="en-US" dirty="0"/>
           </a:p>
         </p:txBody>
       </p:sp>
